--- a/Global Retail Solutions.pptx
+++ b/Global Retail Solutions.pptx
@@ -255,7 +255,7 @@
           <a:p>
             <a:fld id="{6E5C0719-993D-42E1-80ED-8F01056F36C2}" type="datetimeFigureOut">
               <a:rPr lang="en-US" smtClean="0"/>
-              <a:t>7/3/2024</a:t>
+              <a:t>7/4/2024</a:t>
             </a:fld>
             <a:endParaRPr lang="en-US" dirty="0"/>
           </a:p>
@@ -432,7 +432,7 @@
           <a:p>
             <a:fld id="{21D3BC9C-6C58-464F-B94E-FD73C5FB016E}" type="datetimeFigureOut">
               <a:rPr lang="en-US" smtClean="0"/>
-              <a:t>7/3/2024</a:t>
+              <a:t>7/4/2024</a:t>
             </a:fld>
             <a:endParaRPr lang="en-US" dirty="0"/>
           </a:p>
@@ -747,6 +747,34 @@
               <a:rPr lang="en-US" dirty="0"/>
               <a:t>Hello all,</a:t>
             </a:r>
+          </a:p>
+          <a:p>
+            <a:endParaRPr lang="en-US" dirty="0"/>
+          </a:p>
+          <a:p>
+            <a:pPr marL="0" marR="0" lvl="0" indent="0" algn="l" defTabSz="914400" rtl="0" eaLnBrk="1" fontAlgn="auto" latinLnBrk="0" hangingPunct="1">
+              <a:lnSpc>
+                <a:spcPct val="100000"/>
+              </a:lnSpc>
+              <a:spcBef>
+                <a:spcPts val="0"/>
+              </a:spcBef>
+              <a:spcAft>
+                <a:spcPts val="0"/>
+              </a:spcAft>
+              <a:buClrTx/>
+              <a:buSzTx/>
+              <a:buFontTx/>
+              <a:buNone/>
+              <a:tabLst/>
+              <a:defRPr/>
+            </a:pPr>
+            <a:r>
+              <a:rPr lang="en-US" dirty="0"/>
+              <a:t>Today I’m going to present about  a made-up company called global retail solutions</a:t>
+            </a:r>
+          </a:p>
+          <a:p>
             <a:br>
               <a:rPr lang="en-US" dirty="0"/>
             </a:br>
@@ -757,6 +785,9 @@
               <a:rPr lang="en-US" dirty="0"/>
               <a:t>Welcome to the analysis of Global retail solutions.</a:t>
             </a:r>
+          </a:p>
+          <a:p>
+            <a:endParaRPr lang="en-US" dirty="0"/>
           </a:p>
         </p:txBody>
       </p:sp>
@@ -842,13 +873,8 @@
           <a:p>
             <a:r>
               <a:rPr lang="en-US" dirty="0"/>
-              <a:t>Thank you very much for listening and a special thanks to Ignacio and Simi for helping me understand about </a:t>
-            </a:r>
-            <a:r>
-              <a:rPr lang="en-US"/>
-              <a:t>unsupervised learning ML concepts.</a:t>
-            </a:r>
-            <a:endParaRPr lang="en-US" dirty="0"/>
+              <a:t>That’s it from my end .Thank you very much for listening and a special thanks to Ignacio and Simi for helping me understand about unsupervised learning ML concepts.</a:t>
+            </a:r>
           </a:p>
         </p:txBody>
       </p:sp>
@@ -943,7 +969,7 @@
           <a:p>
             <a:r>
               <a:rPr lang="en-US" dirty="0"/>
-              <a:t>The company is a leading retailer with presence in many countries which specializes in selling a wide range of consumer goods.</a:t>
+              <a:t>The company is a leading  online retailer with presence in many countries which specializes in selling a wide range of consumer goods.</a:t>
             </a:r>
           </a:p>
           <a:p>
@@ -1048,7 +1074,20 @@
           <a:p>
             <a:r>
               <a:rPr lang="en-US" dirty="0"/>
-              <a:t>I found a  retail store sales dataset from Kaggle which had almost 300K records, this dataset has information related to customers, their transactions, the products they bought and their geographic information.</a:t>
+              <a:t>I found  this dataset from Kaggle which had almost 300K records </a:t>
+            </a:r>
+            <a:r>
+              <a:rPr lang="en-GB" dirty="0"/>
+              <a:t>over two years, 2022 and 2023.</a:t>
+            </a:r>
+          </a:p>
+          <a:p>
+            <a:endParaRPr lang="en-US" dirty="0"/>
+          </a:p>
+          <a:p>
+            <a:r>
+              <a:rPr lang="en-US" dirty="0"/>
+              <a:t>It has information related to customers, their transactions, the products they bought and their geographic information.</a:t>
             </a:r>
           </a:p>
         </p:txBody>
@@ -1135,7 +1174,7 @@
           <a:p>
             <a:r>
               <a:rPr lang="en-US" dirty="0"/>
-              <a:t>I used Python for data cleaning, creating separate data frames to make it easy for normalization.</a:t>
+              <a:t>I used Python for data cleaning,  by creating separate data frames to make it easy for normalization.</a:t>
             </a:r>
           </a:p>
           <a:p>
@@ -1144,20 +1183,11 @@
           <a:p>
             <a:r>
               <a:rPr lang="en-US" dirty="0"/>
-              <a:t>For data cleaning I </a:t>
+              <a:t>#To have a cleaned data, I </a:t>
             </a:r>
             <a:r>
               <a:rPr lang="en-IN" dirty="0"/>
-              <a:t>renamed the column names to be more descriptive and understandable, Removed null values to ensure data completeness, </a:t>
-            </a:r>
-          </a:p>
-          <a:p>
-            <a:endParaRPr lang="en-IN" dirty="0"/>
-          </a:p>
-          <a:p>
-            <a:r>
-              <a:rPr lang="en-IN" dirty="0"/>
-              <a:t>Addressed duplicate entries to maintain data integrity and finally Fixed the datetime columns to ensure consistency and usability for analysis.</a:t>
+              <a:t>renamed the column names ,Removed null values  and duplicate entries , and fixed the datatype to ensure consistency and usability for analysis.</a:t>
             </a:r>
           </a:p>
           <a:p>
@@ -1166,7 +1196,7 @@
           <a:p>
             <a:r>
               <a:rPr lang="en-US" dirty="0"/>
-              <a:t>Later load the data to SQL database to create ERD diagrams and further analysis.</a:t>
+              <a:t>Later load the data to SQL database for further analysis and to create ERD diagrams.</a:t>
             </a:r>
           </a:p>
           <a:p>
@@ -1262,7 +1292,16 @@
           <a:p>
             <a:r>
               <a:rPr lang="en-GB" dirty="0"/>
-              <a:t>I created ERD diagram to visually represent the relationships between different entities after I separated the dataset into smaller, more manageable data frames with proper data normalisation of SQL.</a:t>
+              <a:t>Here we can see the visual representation of the relationships between different entities</a:t>
+            </a:r>
+          </a:p>
+          <a:p>
+            <a:endParaRPr lang="en-GB" dirty="0"/>
+          </a:p>
+          <a:p>
+            <a:r>
+              <a:rPr lang="en-GB" dirty="0"/>
+              <a:t>after I separated the dataset into smaller, more manageable data frames with proper data normalisation of SQL.</a:t>
             </a:r>
           </a:p>
           <a:p>
@@ -1353,6 +1392,217 @@
           <a:bodyPr/>
           <a:lstStyle/>
           <a:p>
+            <a:pPr marL="0" indent="0">
+              <a:lnSpc>
+                <a:spcPct val="200000"/>
+              </a:lnSpc>
+              <a:buFont typeface="Arial" panose="020B0604020202020204" pitchFamily="34" charset="0"/>
+              <a:buNone/>
+            </a:pPr>
+            <a:r>
+              <a:rPr lang="en-GB" sz="1200" b="0" i="0" dirty="0">
+                <a:solidFill>
+                  <a:srgbClr val="3C4043"/>
+                </a:solidFill>
+                <a:effectLst/>
+                <a:highlight>
+                  <a:srgbClr val="FFFFFF"/>
+                </a:highlight>
+                <a:latin typeface="Inter"/>
+              </a:rPr>
+              <a:t>For business cases I have tried to answer </a:t>
+            </a:r>
+          </a:p>
+          <a:p>
+            <a:pPr marL="0" indent="0">
+              <a:lnSpc>
+                <a:spcPct val="200000"/>
+              </a:lnSpc>
+              <a:buFont typeface="Arial" panose="020B0604020202020204" pitchFamily="34" charset="0"/>
+              <a:buNone/>
+            </a:pPr>
+            <a:endParaRPr lang="en-GB" sz="1200" b="0" i="0" dirty="0">
+              <a:solidFill>
+                <a:srgbClr val="3C4043"/>
+              </a:solidFill>
+              <a:effectLst/>
+              <a:highlight>
+                <a:srgbClr val="FFFFFF"/>
+              </a:highlight>
+              <a:latin typeface="Inter"/>
+            </a:endParaRPr>
+          </a:p>
+          <a:p>
+            <a:pPr marL="0" indent="0">
+              <a:lnSpc>
+                <a:spcPct val="200000"/>
+              </a:lnSpc>
+              <a:buFont typeface="Arial" panose="020B0604020202020204" pitchFamily="34" charset="0"/>
+              <a:buNone/>
+            </a:pPr>
+            <a:r>
+              <a:rPr lang="en-GB" sz="1200" b="0" i="0" dirty="0">
+                <a:solidFill>
+                  <a:srgbClr val="3C4043"/>
+                </a:solidFill>
+                <a:effectLst/>
+                <a:highlight>
+                  <a:srgbClr val="FFFFFF"/>
+                </a:highlight>
+                <a:latin typeface="Inter"/>
+              </a:rPr>
+              <a:t>Customer segmentation analysis based on age, gender, income and other criteria's.</a:t>
+            </a:r>
+          </a:p>
+          <a:p>
+            <a:pPr marL="0" indent="0">
+              <a:lnSpc>
+                <a:spcPct val="200000"/>
+              </a:lnSpc>
+              <a:buFont typeface="Arial" panose="020B0604020202020204" pitchFamily="34" charset="0"/>
+              <a:buNone/>
+            </a:pPr>
+            <a:endParaRPr lang="en-GB" sz="1200" b="0" i="0" dirty="0">
+              <a:solidFill>
+                <a:srgbClr val="3C4043"/>
+              </a:solidFill>
+              <a:effectLst/>
+              <a:highlight>
+                <a:srgbClr val="FFFFFF"/>
+              </a:highlight>
+              <a:latin typeface="Inter"/>
+            </a:endParaRPr>
+          </a:p>
+          <a:p>
+            <a:pPr marL="0" indent="0">
+              <a:lnSpc>
+                <a:spcPct val="200000"/>
+              </a:lnSpc>
+              <a:buFont typeface="Arial" panose="020B0604020202020204" pitchFamily="34" charset="0"/>
+              <a:buNone/>
+            </a:pPr>
+            <a:r>
+              <a:rPr lang="en-GB" sz="1200" b="0" i="0" dirty="0">
+                <a:solidFill>
+                  <a:srgbClr val="3C4043"/>
+                </a:solidFill>
+                <a:effectLst/>
+                <a:highlight>
+                  <a:srgbClr val="FFFFFF"/>
+                </a:highlight>
+                <a:latin typeface="Inter"/>
+              </a:rPr>
+              <a:t>Along with Sales trend analysis over time to identify peak seasons or trends.</a:t>
+            </a:r>
+          </a:p>
+          <a:p>
+            <a:pPr marL="0" indent="0">
+              <a:lnSpc>
+                <a:spcPct val="200000"/>
+              </a:lnSpc>
+              <a:buFont typeface="Arial" panose="020B0604020202020204" pitchFamily="34" charset="0"/>
+              <a:buNone/>
+            </a:pPr>
+            <a:endParaRPr lang="en-GB" sz="1200" b="0" i="0" dirty="0">
+              <a:solidFill>
+                <a:srgbClr val="3C4043"/>
+              </a:solidFill>
+              <a:effectLst/>
+              <a:highlight>
+                <a:srgbClr val="FFFFFF"/>
+              </a:highlight>
+              <a:latin typeface="Inter"/>
+            </a:endParaRPr>
+          </a:p>
+          <a:p>
+            <a:pPr marL="0" indent="0">
+              <a:lnSpc>
+                <a:spcPct val="200000"/>
+              </a:lnSpc>
+              <a:buFont typeface="Arial" panose="020B0604020202020204" pitchFamily="34" charset="0"/>
+              <a:buNone/>
+            </a:pPr>
+            <a:r>
+              <a:rPr lang="en-GB" sz="1200" b="0" i="0" dirty="0">
+                <a:solidFill>
+                  <a:srgbClr val="3C4043"/>
+                </a:solidFill>
+                <a:effectLst/>
+                <a:highlight>
+                  <a:srgbClr val="FFFFFF"/>
+                </a:highlight>
+                <a:latin typeface="Inter"/>
+              </a:rPr>
+              <a:t>Including Product performance analysis to determine popular categories, brand and type.</a:t>
+            </a:r>
+          </a:p>
+          <a:p>
+            <a:pPr marL="0" indent="0">
+              <a:lnSpc>
+                <a:spcPct val="200000"/>
+              </a:lnSpc>
+              <a:buFont typeface="Arial" panose="020B0604020202020204" pitchFamily="34" charset="0"/>
+              <a:buNone/>
+            </a:pPr>
+            <a:endParaRPr lang="en-GB" sz="1200" b="0" i="0" dirty="0">
+              <a:solidFill>
+                <a:srgbClr val="3C4043"/>
+              </a:solidFill>
+              <a:effectLst/>
+              <a:highlight>
+                <a:srgbClr val="FFFFFF"/>
+              </a:highlight>
+              <a:latin typeface="Inter"/>
+            </a:endParaRPr>
+          </a:p>
+          <a:p>
+            <a:pPr marL="0" indent="0">
+              <a:lnSpc>
+                <a:spcPct val="200000"/>
+              </a:lnSpc>
+              <a:buFont typeface="Arial" panose="020B0604020202020204" pitchFamily="34" charset="0"/>
+              <a:buNone/>
+            </a:pPr>
+            <a:r>
+              <a:rPr lang="en-GB" sz="1200" b="0" i="0" dirty="0">
+                <a:solidFill>
+                  <a:srgbClr val="3C4043"/>
+                </a:solidFill>
+                <a:effectLst/>
+                <a:highlight>
+                  <a:srgbClr val="FFFFFF"/>
+                </a:highlight>
+                <a:latin typeface="Inter"/>
+              </a:rPr>
+              <a:t>And Geographic analysis to understand regional preferences</a:t>
+            </a:r>
+            <a:endParaRPr lang="en-GB" dirty="0"/>
+          </a:p>
+          <a:p>
+            <a:endParaRPr lang="en-GB" dirty="0"/>
+          </a:p>
+          <a:p>
+            <a:endParaRPr lang="en-GB" dirty="0"/>
+          </a:p>
+          <a:p>
+            <a:endParaRPr lang="en-GB" dirty="0"/>
+          </a:p>
+          <a:p>
+            <a:endParaRPr lang="en-GB" dirty="0"/>
+          </a:p>
+          <a:p>
+            <a:endParaRPr lang="en-GB" dirty="0"/>
+          </a:p>
+          <a:p>
+            <a:endParaRPr lang="en-GB" dirty="0"/>
+          </a:p>
+          <a:p>
+            <a:endParaRPr lang="en-GB" dirty="0"/>
+          </a:p>
+          <a:p>
+            <a:endParaRPr lang="en-GB" dirty="0"/>
+          </a:p>
+          <a:p>
             <a:r>
               <a:rPr lang="en-GB" dirty="0"/>
               <a:t>How can the business effectively segment its customer base and optimize products, services, and </a:t>
@@ -1504,8 +1754,21 @@
           <a:lstStyle/>
           <a:p>
             <a:r>
+              <a:rPr lang="en-GB" b="0" i="0" dirty="0">
+                <a:solidFill>
+                  <a:srgbClr val="1D1C1D"/>
+                </a:solidFill>
+                <a:effectLst/>
+                <a:highlight>
+                  <a:srgbClr val="F8F8F8"/>
+                </a:highlight>
+                <a:latin typeface="Slack-Lato"/>
+              </a:rPr>
+              <a:t>Now let us see the tableau dashboard visualisations</a:t>
+            </a:r>
+            <a:r>
               <a:rPr lang="en-US" dirty="0"/>
-              <a:t>Now that we know the business case, lets see the tableau dashboards which would help us in visualizing the data for better understanding and solving the problems.</a:t>
+              <a:t> which would help us in visualizing the data for better understanding and solving the problems.</a:t>
             </a:r>
             <a:br>
               <a:rPr lang="en-US" dirty="0"/>
@@ -1610,13 +1873,17 @@
           <a:p>
             <a:r>
               <a:rPr lang="en-US" dirty="0"/>
-              <a:t>The dataset has only columns related to customer demographic, transactions but not related to product cost and selling price to know the actual profit and it has geographic information.</a:t>
+              <a:t>Coming to obstacle part ,The dataset has  no information related to product cost and selling price to know the actual profit.</a:t>
             </a:r>
           </a:p>
           <a:p>
             <a:endParaRPr lang="en-US" dirty="0"/>
           </a:p>
           <a:p>
+            <a:r>
+              <a:rPr lang="en-GB" dirty="0"/>
+              <a:t>I wanted to explore various ML techniques, so I used </a:t>
+            </a:r>
             <a:r>
               <a:rPr lang="en-GB" b="0" i="0" dirty="0">
                 <a:solidFill>
@@ -1628,7 +1895,7 @@
                 </a:highlight>
                 <a:latin typeface="Slack-Lato"/>
               </a:rPr>
-              <a:t>For unsupervised learning I tried to use some clustering algorithms, to discover interesting patterns in data, such as groups of customers based on their behaviour. </a:t>
+              <a:t>clustering algorithms, to discover interesting patterns in data, such as groups of customers based on their behaviour. </a:t>
             </a:r>
             <a:br>
               <a:rPr lang="en-GB" b="0" i="0" dirty="0">
@@ -1665,9 +1932,22 @@
                 </a:highlight>
                 <a:latin typeface="Slack-Lato"/>
               </a:rPr>
-              <a:t>Due to the size of the data the calculation took a huge amount of time and I was not able to get any meaningful results.</a:t>
-            </a:r>
-            <a:endParaRPr lang="en-US" dirty="0"/>
+              <a:t>Due to the size of the data the calculation took a huge amount of time, </a:t>
+            </a:r>
+            <a:r>
+              <a:rPr lang="en-GB" dirty="0"/>
+              <a:t>so I couldn't get the results with ML technique.</a:t>
+            </a:r>
+            <a:endParaRPr lang="en-GB" b="0" i="0" dirty="0">
+              <a:solidFill>
+                <a:srgbClr val="1D1C1D"/>
+              </a:solidFill>
+              <a:effectLst/>
+              <a:highlight>
+                <a:srgbClr val="F8F8F8"/>
+              </a:highlight>
+              <a:latin typeface="Slack-Lato"/>
+            </a:endParaRPr>
           </a:p>
         </p:txBody>
       </p:sp>
@@ -1753,7 +2033,7 @@
           <a:p>
             <a:r>
               <a:rPr lang="en-GB" dirty="0"/>
-              <a:t>Now that we saw the dashboard specific for sales and marketing team </a:t>
+              <a:t>So, the suggestions we can give from this analysis for the marketing team is to send targeted marketing emails to high value customers for high revenue products, </a:t>
             </a:r>
             <a:br>
               <a:rPr lang="en-GB" dirty="0"/>
@@ -1763,7 +2043,7 @@
             </a:br>
             <a:r>
               <a:rPr lang="en-GB" dirty="0"/>
-              <a:t>they can decide on how to move further with their marketing campaigns focussing on different customer groups based on their behaviours.</a:t>
+              <a:t>also focussing on different customer groups based on their behaviours and </a:t>
             </a:r>
             <a:br>
               <a:rPr lang="en-GB" dirty="0"/>
@@ -1773,27 +2053,16 @@
             </a:br>
             <a:r>
               <a:rPr lang="en-GB" dirty="0"/>
-              <a:t>So, the suggestions we can give from this analysis for the marketing team is to send targeted marketing emails to high value customers for high revenue products and </a:t>
-            </a:r>
-            <a:br>
+              <a:t>focus on frequent shoppers and have them in loyalty programs </a:t>
+            </a:r>
+          </a:p>
+          <a:p>
+            <a:endParaRPr lang="en-GB" dirty="0"/>
+          </a:p>
+          <a:p>
+            <a:r>
               <a:rPr lang="en-GB" dirty="0"/>
-            </a:br>
-            <a:br>
-              <a:rPr lang="en-GB" dirty="0"/>
-            </a:br>
-            <a:r>
-              <a:rPr lang="en-GB" dirty="0"/>
-              <a:t>also focus on frequent shoppers and have them in loyalty programs so that they buy more and what kind of products are people buying together to come-up with product recommendations.</a:t>
-            </a:r>
-            <a:br>
-              <a:rPr lang="en-GB" dirty="0"/>
-            </a:br>
-            <a:br>
-              <a:rPr lang="en-GB" dirty="0"/>
-            </a:br>
-            <a:r>
-              <a:rPr lang="en-GB" dirty="0"/>
-              <a:t>Since we also know which products are being sold more often it helps the team to keep up with the inventory</a:t>
+              <a:t>Since we also know which products are being sold more often it helps the team to keep up with the inventory.</a:t>
             </a:r>
             <a:endParaRPr lang="en-US" dirty="0"/>
           </a:p>
@@ -1982,7 +2251,7 @@
           <a:p>
             <a:fld id="{40DA1498-92C7-4E4B-8045-C9195F453964}" type="datetimeFigureOut">
               <a:rPr lang="en-US" smtClean="0"/>
-              <a:t>7/3/2024</a:t>
+              <a:t>7/4/2024</a:t>
             </a:fld>
             <a:endParaRPr lang="en-US" dirty="0"/>
           </a:p>
@@ -2180,7 +2449,7 @@
           <a:p>
             <a:fld id="{40DA1498-92C7-4E4B-8045-C9195F453964}" type="datetimeFigureOut">
               <a:rPr lang="en-US" smtClean="0"/>
-              <a:t>7/3/2024</a:t>
+              <a:t>7/4/2024</a:t>
             </a:fld>
             <a:endParaRPr lang="en-US" dirty="0"/>
           </a:p>
@@ -2388,7 +2657,7 @@
           <a:p>
             <a:fld id="{40DA1498-92C7-4E4B-8045-C9195F453964}" type="datetimeFigureOut">
               <a:rPr lang="en-US" smtClean="0"/>
-              <a:t>7/3/2024</a:t>
+              <a:t>7/4/2024</a:t>
             </a:fld>
             <a:endParaRPr lang="en-US" dirty="0"/>
           </a:p>
@@ -2586,7 +2855,7 @@
           <a:p>
             <a:fld id="{40DA1498-92C7-4E4B-8045-C9195F453964}" type="datetimeFigureOut">
               <a:rPr lang="en-US" smtClean="0"/>
-              <a:t>7/3/2024</a:t>
+              <a:t>7/4/2024</a:t>
             </a:fld>
             <a:endParaRPr lang="en-US" dirty="0"/>
           </a:p>
@@ -2861,7 +3130,7 @@
           <a:p>
             <a:fld id="{40DA1498-92C7-4E4B-8045-C9195F453964}" type="datetimeFigureOut">
               <a:rPr lang="en-US" smtClean="0"/>
-              <a:t>7/3/2024</a:t>
+              <a:t>7/4/2024</a:t>
             </a:fld>
             <a:endParaRPr lang="en-US" dirty="0"/>
           </a:p>
@@ -3126,7 +3395,7 @@
           <a:p>
             <a:fld id="{40DA1498-92C7-4E4B-8045-C9195F453964}" type="datetimeFigureOut">
               <a:rPr lang="en-US" smtClean="0"/>
-              <a:t>7/3/2024</a:t>
+              <a:t>7/4/2024</a:t>
             </a:fld>
             <a:endParaRPr lang="en-US" dirty="0"/>
           </a:p>
@@ -3538,7 +3807,7 @@
           <a:p>
             <a:fld id="{40DA1498-92C7-4E4B-8045-C9195F453964}" type="datetimeFigureOut">
               <a:rPr lang="en-US" smtClean="0"/>
-              <a:t>7/3/2024</a:t>
+              <a:t>7/4/2024</a:t>
             </a:fld>
             <a:endParaRPr lang="en-US" dirty="0"/>
           </a:p>
@@ -3679,7 +3948,7 @@
           <a:p>
             <a:fld id="{40DA1498-92C7-4E4B-8045-C9195F453964}" type="datetimeFigureOut">
               <a:rPr lang="en-US" smtClean="0"/>
-              <a:t>7/3/2024</a:t>
+              <a:t>7/4/2024</a:t>
             </a:fld>
             <a:endParaRPr lang="en-US" dirty="0"/>
           </a:p>
@@ -3792,7 +4061,7 @@
           <a:p>
             <a:fld id="{40DA1498-92C7-4E4B-8045-C9195F453964}" type="datetimeFigureOut">
               <a:rPr lang="en-US" smtClean="0"/>
-              <a:t>7/3/2024</a:t>
+              <a:t>7/4/2024</a:t>
             </a:fld>
             <a:endParaRPr lang="en-US" dirty="0"/>
           </a:p>
@@ -4103,7 +4372,7 @@
           <a:p>
             <a:fld id="{40DA1498-92C7-4E4B-8045-C9195F453964}" type="datetimeFigureOut">
               <a:rPr lang="en-US" smtClean="0"/>
-              <a:t>7/3/2024</a:t>
+              <a:t>7/4/2024</a:t>
             </a:fld>
             <a:endParaRPr lang="en-US" dirty="0"/>
           </a:p>
@@ -4395,7 +4664,7 @@
           <a:p>
             <a:fld id="{40DA1498-92C7-4E4B-8045-C9195F453964}" type="datetimeFigureOut">
               <a:rPr lang="en-US" smtClean="0"/>
-              <a:t>7/3/2024</a:t>
+              <a:t>7/4/2024</a:t>
             </a:fld>
             <a:endParaRPr lang="en-US" dirty="0"/>
           </a:p>
@@ -4636,7 +4905,7 @@
           <a:p>
             <a:fld id="{40DA1498-92C7-4E4B-8045-C9195F453964}" type="datetimeFigureOut">
               <a:rPr lang="en-US" smtClean="0"/>
-              <a:t>7/3/2024</a:t>
+              <a:t>7/4/2024</a:t>
             </a:fld>
             <a:endParaRPr lang="en-US" dirty="0"/>
           </a:p>
@@ -5137,1354 +5406,6 @@
           </a:p>
         </p:txBody>
       </p:sp>
-      <p:sp>
-        <p:nvSpPr>
-          <p:cNvPr id="4" name="Diamond 3">
-            <a:extLst>
-              <a:ext uri="{FF2B5EF4-FFF2-40B4-BE49-F238E27FC236}">
-                <a16:creationId xmlns:a16="http://schemas.microsoft.com/office/drawing/2014/main" id="{1C59176D-59A8-4C02-B448-EE01232FB3E7}"/>
-              </a:ext>
-              <a:ext uri="{C183D7F6-B498-43B3-948B-1728B52AA6E4}">
-                <adec:decorative xmlns:adec="http://schemas.microsoft.com/office/drawing/2017/decorative" val="1"/>
-              </a:ext>
-            </a:extLst>
-          </p:cNvPr>
-          <p:cNvSpPr/>
-          <p:nvPr/>
-        </p:nvSpPr>
-        <p:spPr>
-          <a:xfrm>
-            <a:off x="4792319" y="-608242"/>
-            <a:ext cx="2607364" cy="2607364"/>
-          </a:xfrm>
-          <a:prstGeom prst="diamond">
-            <a:avLst/>
-          </a:prstGeom>
-          <a:noFill/>
-          <a:ln>
-            <a:solidFill>
-              <a:schemeClr val="accent3"/>
-            </a:solidFill>
-          </a:ln>
-        </p:spPr>
-        <p:style>
-          <a:lnRef idx="2">
-            <a:schemeClr val="accent1">
-              <a:shade val="50000"/>
-            </a:schemeClr>
-          </a:lnRef>
-          <a:fillRef idx="1">
-            <a:schemeClr val="accent1"/>
-          </a:fillRef>
-          <a:effectRef idx="0">
-            <a:schemeClr val="accent1"/>
-          </a:effectRef>
-          <a:fontRef idx="minor">
-            <a:schemeClr val="lt1"/>
-          </a:fontRef>
-        </p:style>
-        <p:txBody>
-          <a:bodyPr rtlCol="0" anchor="ctr"/>
-          <a:lstStyle/>
-          <a:p>
-            <a:pPr algn="ctr"/>
-            <a:endParaRPr lang="en-US" dirty="0"/>
-          </a:p>
-        </p:txBody>
-      </p:sp>
-      <p:sp>
-        <p:nvSpPr>
-          <p:cNvPr id="5" name="Diamond 4">
-            <a:extLst>
-              <a:ext uri="{FF2B5EF4-FFF2-40B4-BE49-F238E27FC236}">
-                <a16:creationId xmlns:a16="http://schemas.microsoft.com/office/drawing/2014/main" id="{A50B1817-3C7F-41BC-8557-7A00C928EE16}"/>
-              </a:ext>
-              <a:ext uri="{C183D7F6-B498-43B3-948B-1728B52AA6E4}">
-                <adec:decorative xmlns:adec="http://schemas.microsoft.com/office/drawing/2017/decorative" val="1"/>
-              </a:ext>
-            </a:extLst>
-          </p:cNvPr>
-          <p:cNvSpPr/>
-          <p:nvPr/>
-        </p:nvSpPr>
-        <p:spPr>
-          <a:xfrm>
-            <a:off x="4325258" y="-1770743"/>
-            <a:ext cx="3541486" cy="3541486"/>
-          </a:xfrm>
-          <a:prstGeom prst="diamond">
-            <a:avLst/>
-          </a:prstGeom>
-          <a:noFill/>
-          <a:ln>
-            <a:solidFill>
-              <a:schemeClr val="accent4"/>
-            </a:solidFill>
-          </a:ln>
-        </p:spPr>
-        <p:style>
-          <a:lnRef idx="2">
-            <a:schemeClr val="accent1">
-              <a:shade val="50000"/>
-            </a:schemeClr>
-          </a:lnRef>
-          <a:fillRef idx="1">
-            <a:schemeClr val="accent1"/>
-          </a:fillRef>
-          <a:effectRef idx="0">
-            <a:schemeClr val="accent1"/>
-          </a:effectRef>
-          <a:fontRef idx="minor">
-            <a:schemeClr val="lt1"/>
-          </a:fontRef>
-        </p:style>
-        <p:txBody>
-          <a:bodyPr rtlCol="0" anchor="ctr"/>
-          <a:lstStyle/>
-          <a:p>
-            <a:pPr algn="ctr"/>
-            <a:endParaRPr lang="en-US" dirty="0"/>
-          </a:p>
-        </p:txBody>
-      </p:sp>
-      <p:grpSp>
-        <p:nvGrpSpPr>
-          <p:cNvPr id="7" name="Group 6" descr="Icon of chart. ">
-            <a:extLst>
-              <a:ext uri="{FF2B5EF4-FFF2-40B4-BE49-F238E27FC236}">
-                <a16:creationId xmlns:a16="http://schemas.microsoft.com/office/drawing/2014/main" id="{B95DF07A-CE7E-4D89-9AA0-25F4FFF3B9C7}"/>
-              </a:ext>
-            </a:extLst>
-          </p:cNvPr>
-          <p:cNvGrpSpPr/>
-          <p:nvPr/>
-        </p:nvGrpSpPr>
-        <p:grpSpPr>
-          <a:xfrm>
-            <a:off x="5851021" y="3724968"/>
-            <a:ext cx="489958" cy="492680"/>
-            <a:chOff x="2025650" y="4786313"/>
-            <a:chExt cx="285750" cy="287338"/>
-          </a:xfrm>
-          <a:solidFill>
-            <a:schemeClr val="bg1"/>
-          </a:solidFill>
-        </p:grpSpPr>
-        <p:sp>
-          <p:nvSpPr>
-            <p:cNvPr id="8" name="Freeform 565">
-              <a:extLst>
-                <a:ext uri="{FF2B5EF4-FFF2-40B4-BE49-F238E27FC236}">
-                  <a16:creationId xmlns:a16="http://schemas.microsoft.com/office/drawing/2014/main" id="{548FC78B-EF83-4185-A63D-1A5A85640B62}"/>
-                </a:ext>
-              </a:extLst>
-            </p:cNvPr>
-            <p:cNvSpPr>
-              <a:spLocks noEditPoints="1"/>
-            </p:cNvSpPr>
-            <p:nvPr/>
-          </p:nvSpPr>
-          <p:spPr bwMode="auto">
-            <a:xfrm>
-              <a:off x="2025650" y="4786313"/>
-              <a:ext cx="285750" cy="287338"/>
-            </a:xfrm>
-            <a:custGeom>
-              <a:avLst/>
-              <a:gdLst>
-                <a:gd name="T0" fmla="*/ 812 w 903"/>
-                <a:gd name="T1" fmla="*/ 500 h 903"/>
-                <a:gd name="T2" fmla="*/ 810 w 903"/>
-                <a:gd name="T3" fmla="*/ 505 h 903"/>
-                <a:gd name="T4" fmla="*/ 806 w 903"/>
-                <a:gd name="T5" fmla="*/ 509 h 903"/>
-                <a:gd name="T6" fmla="*/ 800 w 903"/>
-                <a:gd name="T7" fmla="*/ 511 h 903"/>
-                <a:gd name="T8" fmla="*/ 105 w 903"/>
-                <a:gd name="T9" fmla="*/ 511 h 903"/>
-                <a:gd name="T10" fmla="*/ 99 w 903"/>
-                <a:gd name="T11" fmla="*/ 510 h 903"/>
-                <a:gd name="T12" fmla="*/ 95 w 903"/>
-                <a:gd name="T13" fmla="*/ 507 h 903"/>
-                <a:gd name="T14" fmla="*/ 92 w 903"/>
-                <a:gd name="T15" fmla="*/ 502 h 903"/>
-                <a:gd name="T16" fmla="*/ 90 w 903"/>
-                <a:gd name="T17" fmla="*/ 496 h 903"/>
-                <a:gd name="T18" fmla="*/ 90 w 903"/>
-                <a:gd name="T19" fmla="*/ 105 h 903"/>
-                <a:gd name="T20" fmla="*/ 92 w 903"/>
-                <a:gd name="T21" fmla="*/ 100 h 903"/>
-                <a:gd name="T22" fmla="*/ 95 w 903"/>
-                <a:gd name="T23" fmla="*/ 94 h 903"/>
-                <a:gd name="T24" fmla="*/ 99 w 903"/>
-                <a:gd name="T25" fmla="*/ 91 h 903"/>
-                <a:gd name="T26" fmla="*/ 105 w 903"/>
-                <a:gd name="T27" fmla="*/ 90 h 903"/>
-                <a:gd name="T28" fmla="*/ 800 w 903"/>
-                <a:gd name="T29" fmla="*/ 90 h 903"/>
-                <a:gd name="T30" fmla="*/ 806 w 903"/>
-                <a:gd name="T31" fmla="*/ 92 h 903"/>
-                <a:gd name="T32" fmla="*/ 810 w 903"/>
-                <a:gd name="T33" fmla="*/ 96 h 903"/>
-                <a:gd name="T34" fmla="*/ 812 w 903"/>
-                <a:gd name="T35" fmla="*/ 102 h 903"/>
-                <a:gd name="T36" fmla="*/ 813 w 903"/>
-                <a:gd name="T37" fmla="*/ 496 h 903"/>
-                <a:gd name="T38" fmla="*/ 15 w 903"/>
-                <a:gd name="T39" fmla="*/ 0 h 903"/>
-                <a:gd name="T40" fmla="*/ 9 w 903"/>
-                <a:gd name="T41" fmla="*/ 1 h 903"/>
-                <a:gd name="T42" fmla="*/ 5 w 903"/>
-                <a:gd name="T43" fmla="*/ 4 h 903"/>
-                <a:gd name="T44" fmla="*/ 1 w 903"/>
-                <a:gd name="T45" fmla="*/ 8 h 903"/>
-                <a:gd name="T46" fmla="*/ 0 w 903"/>
-                <a:gd name="T47" fmla="*/ 15 h 903"/>
-                <a:gd name="T48" fmla="*/ 0 w 903"/>
-                <a:gd name="T49" fmla="*/ 590 h 903"/>
-                <a:gd name="T50" fmla="*/ 2 w 903"/>
-                <a:gd name="T51" fmla="*/ 595 h 903"/>
-                <a:gd name="T52" fmla="*/ 7 w 903"/>
-                <a:gd name="T53" fmla="*/ 599 h 903"/>
-                <a:gd name="T54" fmla="*/ 12 w 903"/>
-                <a:gd name="T55" fmla="*/ 602 h 903"/>
-                <a:gd name="T56" fmla="*/ 437 w 903"/>
-                <a:gd name="T57" fmla="*/ 602 h 903"/>
-                <a:gd name="T58" fmla="*/ 260 w 903"/>
-                <a:gd name="T59" fmla="*/ 877 h 903"/>
-                <a:gd name="T60" fmla="*/ 257 w 903"/>
-                <a:gd name="T61" fmla="*/ 883 h 903"/>
-                <a:gd name="T62" fmla="*/ 256 w 903"/>
-                <a:gd name="T63" fmla="*/ 888 h 903"/>
-                <a:gd name="T64" fmla="*/ 257 w 903"/>
-                <a:gd name="T65" fmla="*/ 893 h 903"/>
-                <a:gd name="T66" fmla="*/ 260 w 903"/>
-                <a:gd name="T67" fmla="*/ 899 h 903"/>
-                <a:gd name="T68" fmla="*/ 265 w 903"/>
-                <a:gd name="T69" fmla="*/ 902 h 903"/>
-                <a:gd name="T70" fmla="*/ 271 w 903"/>
-                <a:gd name="T71" fmla="*/ 903 h 903"/>
-                <a:gd name="T72" fmla="*/ 277 w 903"/>
-                <a:gd name="T73" fmla="*/ 902 h 903"/>
-                <a:gd name="T74" fmla="*/ 281 w 903"/>
-                <a:gd name="T75" fmla="*/ 899 h 903"/>
-                <a:gd name="T76" fmla="*/ 621 w 903"/>
-                <a:gd name="T77" fmla="*/ 899 h 903"/>
-                <a:gd name="T78" fmla="*/ 627 w 903"/>
-                <a:gd name="T79" fmla="*/ 902 h 903"/>
-                <a:gd name="T80" fmla="*/ 632 w 903"/>
-                <a:gd name="T81" fmla="*/ 903 h 903"/>
-                <a:gd name="T82" fmla="*/ 637 w 903"/>
-                <a:gd name="T83" fmla="*/ 902 h 903"/>
-                <a:gd name="T84" fmla="*/ 643 w 903"/>
-                <a:gd name="T85" fmla="*/ 899 h 903"/>
-                <a:gd name="T86" fmla="*/ 646 w 903"/>
-                <a:gd name="T87" fmla="*/ 893 h 903"/>
-                <a:gd name="T88" fmla="*/ 647 w 903"/>
-                <a:gd name="T89" fmla="*/ 888 h 903"/>
-                <a:gd name="T90" fmla="*/ 646 w 903"/>
-                <a:gd name="T91" fmla="*/ 883 h 903"/>
-                <a:gd name="T92" fmla="*/ 643 w 903"/>
-                <a:gd name="T93" fmla="*/ 877 h 903"/>
-                <a:gd name="T94" fmla="*/ 467 w 903"/>
-                <a:gd name="T95" fmla="*/ 602 h 903"/>
-                <a:gd name="T96" fmla="*/ 892 w 903"/>
-                <a:gd name="T97" fmla="*/ 602 h 903"/>
-                <a:gd name="T98" fmla="*/ 897 w 903"/>
-                <a:gd name="T99" fmla="*/ 599 h 903"/>
-                <a:gd name="T100" fmla="*/ 900 w 903"/>
-                <a:gd name="T101" fmla="*/ 595 h 903"/>
-                <a:gd name="T102" fmla="*/ 902 w 903"/>
-                <a:gd name="T103" fmla="*/ 590 h 903"/>
-                <a:gd name="T104" fmla="*/ 903 w 903"/>
-                <a:gd name="T105" fmla="*/ 15 h 903"/>
-                <a:gd name="T106" fmla="*/ 902 w 903"/>
-                <a:gd name="T107" fmla="*/ 8 h 903"/>
-                <a:gd name="T108" fmla="*/ 899 w 903"/>
-                <a:gd name="T109" fmla="*/ 4 h 903"/>
-                <a:gd name="T110" fmla="*/ 894 w 903"/>
-                <a:gd name="T111" fmla="*/ 1 h 903"/>
-                <a:gd name="T112" fmla="*/ 888 w 903"/>
-                <a:gd name="T113" fmla="*/ 0 h 903"/>
-              </a:gdLst>
-              <a:ahLst/>
-              <a:cxnLst>
-                <a:cxn ang="0">
-                  <a:pos x="T0" y="T1"/>
-                </a:cxn>
-                <a:cxn ang="0">
-                  <a:pos x="T2" y="T3"/>
-                </a:cxn>
-                <a:cxn ang="0">
-                  <a:pos x="T4" y="T5"/>
-                </a:cxn>
-                <a:cxn ang="0">
-                  <a:pos x="T6" y="T7"/>
-                </a:cxn>
-                <a:cxn ang="0">
-                  <a:pos x="T8" y="T9"/>
-                </a:cxn>
-                <a:cxn ang="0">
-                  <a:pos x="T10" y="T11"/>
-                </a:cxn>
-                <a:cxn ang="0">
-                  <a:pos x="T12" y="T13"/>
-                </a:cxn>
-                <a:cxn ang="0">
-                  <a:pos x="T14" y="T15"/>
-                </a:cxn>
-                <a:cxn ang="0">
-                  <a:pos x="T16" y="T17"/>
-                </a:cxn>
-                <a:cxn ang="0">
-                  <a:pos x="T18" y="T19"/>
-                </a:cxn>
-                <a:cxn ang="0">
-                  <a:pos x="T20" y="T21"/>
-                </a:cxn>
-                <a:cxn ang="0">
-                  <a:pos x="T22" y="T23"/>
-                </a:cxn>
-                <a:cxn ang="0">
-                  <a:pos x="T24" y="T25"/>
-                </a:cxn>
-                <a:cxn ang="0">
-                  <a:pos x="T26" y="T27"/>
-                </a:cxn>
-                <a:cxn ang="0">
-                  <a:pos x="T28" y="T29"/>
-                </a:cxn>
-                <a:cxn ang="0">
-                  <a:pos x="T30" y="T31"/>
-                </a:cxn>
-                <a:cxn ang="0">
-                  <a:pos x="T32" y="T33"/>
-                </a:cxn>
-                <a:cxn ang="0">
-                  <a:pos x="T34" y="T35"/>
-                </a:cxn>
-                <a:cxn ang="0">
-                  <a:pos x="T36" y="T37"/>
-                </a:cxn>
-                <a:cxn ang="0">
-                  <a:pos x="T38" y="T39"/>
-                </a:cxn>
-                <a:cxn ang="0">
-                  <a:pos x="T40" y="T41"/>
-                </a:cxn>
-                <a:cxn ang="0">
-                  <a:pos x="T42" y="T43"/>
-                </a:cxn>
-                <a:cxn ang="0">
-                  <a:pos x="T44" y="T45"/>
-                </a:cxn>
-                <a:cxn ang="0">
-                  <a:pos x="T46" y="T47"/>
-                </a:cxn>
-                <a:cxn ang="0">
-                  <a:pos x="T48" y="T49"/>
-                </a:cxn>
-                <a:cxn ang="0">
-                  <a:pos x="T50" y="T51"/>
-                </a:cxn>
-                <a:cxn ang="0">
-                  <a:pos x="T52" y="T53"/>
-                </a:cxn>
-                <a:cxn ang="0">
-                  <a:pos x="T54" y="T55"/>
-                </a:cxn>
-                <a:cxn ang="0">
-                  <a:pos x="T56" y="T57"/>
-                </a:cxn>
-                <a:cxn ang="0">
-                  <a:pos x="T58" y="T59"/>
-                </a:cxn>
-                <a:cxn ang="0">
-                  <a:pos x="T60" y="T61"/>
-                </a:cxn>
-                <a:cxn ang="0">
-                  <a:pos x="T62" y="T63"/>
-                </a:cxn>
-                <a:cxn ang="0">
-                  <a:pos x="T64" y="T65"/>
-                </a:cxn>
-                <a:cxn ang="0">
-                  <a:pos x="T66" y="T67"/>
-                </a:cxn>
-                <a:cxn ang="0">
-                  <a:pos x="T68" y="T69"/>
-                </a:cxn>
-                <a:cxn ang="0">
-                  <a:pos x="T70" y="T71"/>
-                </a:cxn>
-                <a:cxn ang="0">
-                  <a:pos x="T72" y="T73"/>
-                </a:cxn>
-                <a:cxn ang="0">
-                  <a:pos x="T74" y="T75"/>
-                </a:cxn>
-                <a:cxn ang="0">
-                  <a:pos x="T76" y="T77"/>
-                </a:cxn>
-                <a:cxn ang="0">
-                  <a:pos x="T78" y="T79"/>
-                </a:cxn>
-                <a:cxn ang="0">
-                  <a:pos x="T80" y="T81"/>
-                </a:cxn>
-                <a:cxn ang="0">
-                  <a:pos x="T82" y="T83"/>
-                </a:cxn>
-                <a:cxn ang="0">
-                  <a:pos x="T84" y="T85"/>
-                </a:cxn>
-                <a:cxn ang="0">
-                  <a:pos x="T86" y="T87"/>
-                </a:cxn>
-                <a:cxn ang="0">
-                  <a:pos x="T88" y="T89"/>
-                </a:cxn>
-                <a:cxn ang="0">
-                  <a:pos x="T90" y="T91"/>
-                </a:cxn>
-                <a:cxn ang="0">
-                  <a:pos x="T92" y="T93"/>
-                </a:cxn>
-                <a:cxn ang="0">
-                  <a:pos x="T94" y="T95"/>
-                </a:cxn>
-                <a:cxn ang="0">
-                  <a:pos x="T96" y="T97"/>
-                </a:cxn>
-                <a:cxn ang="0">
-                  <a:pos x="T98" y="T99"/>
-                </a:cxn>
-                <a:cxn ang="0">
-                  <a:pos x="T100" y="T101"/>
-                </a:cxn>
-                <a:cxn ang="0">
-                  <a:pos x="T102" y="T103"/>
-                </a:cxn>
-                <a:cxn ang="0">
-                  <a:pos x="T104" y="T105"/>
-                </a:cxn>
-                <a:cxn ang="0">
-                  <a:pos x="T106" y="T107"/>
-                </a:cxn>
-                <a:cxn ang="0">
-                  <a:pos x="T108" y="T109"/>
-                </a:cxn>
-                <a:cxn ang="0">
-                  <a:pos x="T110" y="T111"/>
-                </a:cxn>
-                <a:cxn ang="0">
-                  <a:pos x="T112" y="T113"/>
-                </a:cxn>
-              </a:cxnLst>
-              <a:rect l="0" t="0" r="r" b="b"/>
-              <a:pathLst>
-                <a:path w="903" h="903">
-                  <a:moveTo>
-                    <a:pt x="813" y="496"/>
-                  </a:moveTo>
-                  <a:lnTo>
-                    <a:pt x="812" y="500"/>
-                  </a:lnTo>
-                  <a:lnTo>
-                    <a:pt x="811" y="502"/>
-                  </a:lnTo>
-                  <a:lnTo>
-                    <a:pt x="810" y="505"/>
-                  </a:lnTo>
-                  <a:lnTo>
-                    <a:pt x="808" y="507"/>
-                  </a:lnTo>
-                  <a:lnTo>
-                    <a:pt x="806" y="509"/>
-                  </a:lnTo>
-                  <a:lnTo>
-                    <a:pt x="804" y="510"/>
-                  </a:lnTo>
-                  <a:lnTo>
-                    <a:pt x="800" y="511"/>
-                  </a:lnTo>
-                  <a:lnTo>
-                    <a:pt x="797" y="511"/>
-                  </a:lnTo>
-                  <a:lnTo>
-                    <a:pt x="105" y="511"/>
-                  </a:lnTo>
-                  <a:lnTo>
-                    <a:pt x="102" y="511"/>
-                  </a:lnTo>
-                  <a:lnTo>
-                    <a:pt x="99" y="510"/>
-                  </a:lnTo>
-                  <a:lnTo>
-                    <a:pt x="97" y="509"/>
-                  </a:lnTo>
-                  <a:lnTo>
-                    <a:pt x="95" y="507"/>
-                  </a:lnTo>
-                  <a:lnTo>
-                    <a:pt x="93" y="505"/>
-                  </a:lnTo>
-                  <a:lnTo>
-                    <a:pt x="92" y="502"/>
-                  </a:lnTo>
-                  <a:lnTo>
-                    <a:pt x="90" y="500"/>
-                  </a:lnTo>
-                  <a:lnTo>
-                    <a:pt x="90" y="496"/>
-                  </a:lnTo>
-                  <a:lnTo>
-                    <a:pt x="90" y="316"/>
-                  </a:lnTo>
-                  <a:lnTo>
-                    <a:pt x="90" y="105"/>
-                  </a:lnTo>
-                  <a:lnTo>
-                    <a:pt x="90" y="102"/>
-                  </a:lnTo>
-                  <a:lnTo>
-                    <a:pt x="92" y="100"/>
-                  </a:lnTo>
-                  <a:lnTo>
-                    <a:pt x="93" y="96"/>
-                  </a:lnTo>
-                  <a:lnTo>
-                    <a:pt x="95" y="94"/>
-                  </a:lnTo>
-                  <a:lnTo>
-                    <a:pt x="97" y="92"/>
-                  </a:lnTo>
-                  <a:lnTo>
-                    <a:pt x="99" y="91"/>
-                  </a:lnTo>
-                  <a:lnTo>
-                    <a:pt x="102" y="90"/>
-                  </a:lnTo>
-                  <a:lnTo>
-                    <a:pt x="105" y="90"/>
-                  </a:lnTo>
-                  <a:lnTo>
-                    <a:pt x="798" y="90"/>
-                  </a:lnTo>
-                  <a:lnTo>
-                    <a:pt x="800" y="90"/>
-                  </a:lnTo>
-                  <a:lnTo>
-                    <a:pt x="804" y="91"/>
-                  </a:lnTo>
-                  <a:lnTo>
-                    <a:pt x="806" y="92"/>
-                  </a:lnTo>
-                  <a:lnTo>
-                    <a:pt x="808" y="94"/>
-                  </a:lnTo>
-                  <a:lnTo>
-                    <a:pt x="810" y="96"/>
-                  </a:lnTo>
-                  <a:lnTo>
-                    <a:pt x="811" y="100"/>
-                  </a:lnTo>
-                  <a:lnTo>
-                    <a:pt x="812" y="102"/>
-                  </a:lnTo>
-                  <a:lnTo>
-                    <a:pt x="813" y="105"/>
-                  </a:lnTo>
-                  <a:lnTo>
-                    <a:pt x="813" y="496"/>
-                  </a:lnTo>
-                  <a:close/>
-                  <a:moveTo>
-                    <a:pt x="888" y="0"/>
-                  </a:moveTo>
-                  <a:lnTo>
-                    <a:pt x="15" y="0"/>
-                  </a:lnTo>
-                  <a:lnTo>
-                    <a:pt x="12" y="0"/>
-                  </a:lnTo>
-                  <a:lnTo>
-                    <a:pt x="9" y="1"/>
-                  </a:lnTo>
-                  <a:lnTo>
-                    <a:pt x="7" y="2"/>
-                  </a:lnTo>
-                  <a:lnTo>
-                    <a:pt x="5" y="4"/>
-                  </a:lnTo>
-                  <a:lnTo>
-                    <a:pt x="2" y="6"/>
-                  </a:lnTo>
-                  <a:lnTo>
-                    <a:pt x="1" y="8"/>
-                  </a:lnTo>
-                  <a:lnTo>
-                    <a:pt x="0" y="12"/>
-                  </a:lnTo>
-                  <a:lnTo>
-                    <a:pt x="0" y="15"/>
-                  </a:lnTo>
-                  <a:lnTo>
-                    <a:pt x="0" y="587"/>
-                  </a:lnTo>
-                  <a:lnTo>
-                    <a:pt x="0" y="590"/>
-                  </a:lnTo>
-                  <a:lnTo>
-                    <a:pt x="1" y="593"/>
-                  </a:lnTo>
-                  <a:lnTo>
-                    <a:pt x="2" y="595"/>
-                  </a:lnTo>
-                  <a:lnTo>
-                    <a:pt x="5" y="597"/>
-                  </a:lnTo>
-                  <a:lnTo>
-                    <a:pt x="7" y="599"/>
-                  </a:lnTo>
-                  <a:lnTo>
-                    <a:pt x="9" y="601"/>
-                  </a:lnTo>
-                  <a:lnTo>
-                    <a:pt x="12" y="602"/>
-                  </a:lnTo>
-                  <a:lnTo>
-                    <a:pt x="15" y="602"/>
-                  </a:lnTo>
-                  <a:lnTo>
-                    <a:pt x="437" y="602"/>
-                  </a:lnTo>
-                  <a:lnTo>
-                    <a:pt x="437" y="701"/>
-                  </a:lnTo>
-                  <a:lnTo>
-                    <a:pt x="260" y="877"/>
-                  </a:lnTo>
-                  <a:lnTo>
-                    <a:pt x="259" y="879"/>
-                  </a:lnTo>
-                  <a:lnTo>
-                    <a:pt x="257" y="883"/>
-                  </a:lnTo>
-                  <a:lnTo>
-                    <a:pt x="256" y="885"/>
-                  </a:lnTo>
-                  <a:lnTo>
-                    <a:pt x="256" y="888"/>
-                  </a:lnTo>
-                  <a:lnTo>
-                    <a:pt x="256" y="891"/>
-                  </a:lnTo>
-                  <a:lnTo>
-                    <a:pt x="257" y="893"/>
-                  </a:lnTo>
-                  <a:lnTo>
-                    <a:pt x="259" y="897"/>
-                  </a:lnTo>
-                  <a:lnTo>
-                    <a:pt x="260" y="899"/>
-                  </a:lnTo>
-                  <a:lnTo>
-                    <a:pt x="263" y="901"/>
-                  </a:lnTo>
-                  <a:lnTo>
-                    <a:pt x="265" y="902"/>
-                  </a:lnTo>
-                  <a:lnTo>
-                    <a:pt x="268" y="903"/>
-                  </a:lnTo>
-                  <a:lnTo>
-                    <a:pt x="271" y="903"/>
-                  </a:lnTo>
-                  <a:lnTo>
-                    <a:pt x="274" y="903"/>
-                  </a:lnTo>
-                  <a:lnTo>
-                    <a:pt x="277" y="902"/>
-                  </a:lnTo>
-                  <a:lnTo>
-                    <a:pt x="279" y="901"/>
-                  </a:lnTo>
-                  <a:lnTo>
-                    <a:pt x="281" y="899"/>
-                  </a:lnTo>
-                  <a:lnTo>
-                    <a:pt x="452" y="728"/>
-                  </a:lnTo>
-                  <a:lnTo>
-                    <a:pt x="621" y="899"/>
-                  </a:lnTo>
-                  <a:lnTo>
-                    <a:pt x="623" y="901"/>
-                  </a:lnTo>
-                  <a:lnTo>
-                    <a:pt x="627" y="902"/>
-                  </a:lnTo>
-                  <a:lnTo>
-                    <a:pt x="629" y="903"/>
-                  </a:lnTo>
-                  <a:lnTo>
-                    <a:pt x="632" y="903"/>
-                  </a:lnTo>
-                  <a:lnTo>
-                    <a:pt x="635" y="903"/>
-                  </a:lnTo>
-                  <a:lnTo>
-                    <a:pt x="637" y="902"/>
-                  </a:lnTo>
-                  <a:lnTo>
-                    <a:pt x="641" y="901"/>
-                  </a:lnTo>
-                  <a:lnTo>
-                    <a:pt x="643" y="899"/>
-                  </a:lnTo>
-                  <a:lnTo>
-                    <a:pt x="645" y="897"/>
-                  </a:lnTo>
-                  <a:lnTo>
-                    <a:pt x="646" y="893"/>
-                  </a:lnTo>
-                  <a:lnTo>
-                    <a:pt x="647" y="891"/>
-                  </a:lnTo>
-                  <a:lnTo>
-                    <a:pt x="647" y="888"/>
-                  </a:lnTo>
-                  <a:lnTo>
-                    <a:pt x="647" y="885"/>
-                  </a:lnTo>
-                  <a:lnTo>
-                    <a:pt x="646" y="883"/>
-                  </a:lnTo>
-                  <a:lnTo>
-                    <a:pt x="645" y="879"/>
-                  </a:lnTo>
-                  <a:lnTo>
-                    <a:pt x="643" y="877"/>
-                  </a:lnTo>
-                  <a:lnTo>
-                    <a:pt x="467" y="701"/>
-                  </a:lnTo>
-                  <a:lnTo>
-                    <a:pt x="467" y="602"/>
-                  </a:lnTo>
-                  <a:lnTo>
-                    <a:pt x="888" y="602"/>
-                  </a:lnTo>
-                  <a:lnTo>
-                    <a:pt x="892" y="602"/>
-                  </a:lnTo>
-                  <a:lnTo>
-                    <a:pt x="894" y="601"/>
-                  </a:lnTo>
-                  <a:lnTo>
-                    <a:pt x="897" y="599"/>
-                  </a:lnTo>
-                  <a:lnTo>
-                    <a:pt x="899" y="597"/>
-                  </a:lnTo>
-                  <a:lnTo>
-                    <a:pt x="900" y="595"/>
-                  </a:lnTo>
-                  <a:lnTo>
-                    <a:pt x="902" y="593"/>
-                  </a:lnTo>
-                  <a:lnTo>
-                    <a:pt x="902" y="590"/>
-                  </a:lnTo>
-                  <a:lnTo>
-                    <a:pt x="903" y="587"/>
-                  </a:lnTo>
-                  <a:lnTo>
-                    <a:pt x="903" y="15"/>
-                  </a:lnTo>
-                  <a:lnTo>
-                    <a:pt x="902" y="12"/>
-                  </a:lnTo>
-                  <a:lnTo>
-                    <a:pt x="902" y="8"/>
-                  </a:lnTo>
-                  <a:lnTo>
-                    <a:pt x="900" y="6"/>
-                  </a:lnTo>
-                  <a:lnTo>
-                    <a:pt x="899" y="4"/>
-                  </a:lnTo>
-                  <a:lnTo>
-                    <a:pt x="897" y="2"/>
-                  </a:lnTo>
-                  <a:lnTo>
-                    <a:pt x="894" y="1"/>
-                  </a:lnTo>
-                  <a:lnTo>
-                    <a:pt x="892" y="0"/>
-                  </a:lnTo>
-                  <a:lnTo>
-                    <a:pt x="888" y="0"/>
-                  </a:lnTo>
-                  <a:close/>
-                </a:path>
-              </a:pathLst>
-            </a:custGeom>
-            <a:grpFill/>
-            <a:ln>
-              <a:noFill/>
-            </a:ln>
-            <a:extLst>
-              <a:ext uri="{91240B29-F687-4F45-9708-019B960494DF}">
-                <a14:hiddenLine xmlns:a14="http://schemas.microsoft.com/office/drawing/2010/main" w="9525">
-                  <a:solidFill>
-                    <a:srgbClr val="000000"/>
-                  </a:solidFill>
-                  <a:round/>
-                  <a:headEnd/>
-                  <a:tailEnd/>
-                </a14:hiddenLine>
-              </a:ext>
-            </a:extLst>
-          </p:spPr>
-          <p:txBody>
-            <a:bodyPr vert="horz" wrap="square" lIns="91440" tIns="45720" rIns="91440" bIns="45720" numCol="1" anchor="t" anchorCtr="0" compatLnSpc="1">
-              <a:prstTxWarp prst="textNoShape">
-                <a:avLst/>
-              </a:prstTxWarp>
-            </a:bodyPr>
-            <a:lstStyle/>
-            <a:p>
-              <a:endParaRPr lang="en-US" dirty="0"/>
-            </a:p>
-          </p:txBody>
-        </p:sp>
-        <p:sp>
-          <p:nvSpPr>
-            <p:cNvPr id="9" name="Freeform 566">
-              <a:extLst>
-                <a:ext uri="{FF2B5EF4-FFF2-40B4-BE49-F238E27FC236}">
-                  <a16:creationId xmlns:a16="http://schemas.microsoft.com/office/drawing/2014/main" id="{B7B50F87-A3AA-4FB6-9692-24BF5512FC5B}"/>
-                </a:ext>
-              </a:extLst>
-            </p:cNvPr>
-            <p:cNvSpPr>
-              <a:spLocks/>
-            </p:cNvSpPr>
-            <p:nvPr/>
-          </p:nvSpPr>
-          <p:spPr bwMode="auto">
-            <a:xfrm>
-              <a:off x="2054225" y="4843463"/>
-              <a:ext cx="200025" cy="73025"/>
-            </a:xfrm>
-            <a:custGeom>
-              <a:avLst/>
-              <a:gdLst>
-                <a:gd name="T0" fmla="*/ 151 w 632"/>
-                <a:gd name="T1" fmla="*/ 151 h 226"/>
-                <a:gd name="T2" fmla="*/ 157 w 632"/>
-                <a:gd name="T3" fmla="*/ 149 h 226"/>
-                <a:gd name="T4" fmla="*/ 161 w 632"/>
-                <a:gd name="T5" fmla="*/ 146 h 226"/>
-                <a:gd name="T6" fmla="*/ 288 w 632"/>
-                <a:gd name="T7" fmla="*/ 217 h 226"/>
-                <a:gd name="T8" fmla="*/ 292 w 632"/>
-                <a:gd name="T9" fmla="*/ 223 h 226"/>
-                <a:gd name="T10" fmla="*/ 299 w 632"/>
-                <a:gd name="T11" fmla="*/ 226 h 226"/>
-                <a:gd name="T12" fmla="*/ 302 w 632"/>
-                <a:gd name="T13" fmla="*/ 226 h 226"/>
-                <a:gd name="T14" fmla="*/ 307 w 632"/>
-                <a:gd name="T15" fmla="*/ 225 h 226"/>
-                <a:gd name="T16" fmla="*/ 313 w 632"/>
-                <a:gd name="T17" fmla="*/ 222 h 226"/>
-                <a:gd name="T18" fmla="*/ 471 w 632"/>
-                <a:gd name="T19" fmla="*/ 191 h 226"/>
-                <a:gd name="T20" fmla="*/ 477 w 632"/>
-                <a:gd name="T21" fmla="*/ 195 h 226"/>
-                <a:gd name="T22" fmla="*/ 483 w 632"/>
-                <a:gd name="T23" fmla="*/ 196 h 226"/>
-                <a:gd name="T24" fmla="*/ 488 w 632"/>
-                <a:gd name="T25" fmla="*/ 194 h 226"/>
-                <a:gd name="T26" fmla="*/ 494 w 632"/>
-                <a:gd name="T27" fmla="*/ 191 h 226"/>
-                <a:gd name="T28" fmla="*/ 631 w 632"/>
-                <a:gd name="T29" fmla="*/ 23 h 226"/>
-                <a:gd name="T30" fmla="*/ 632 w 632"/>
-                <a:gd name="T31" fmla="*/ 16 h 226"/>
-                <a:gd name="T32" fmla="*/ 632 w 632"/>
-                <a:gd name="T33" fmla="*/ 11 h 226"/>
-                <a:gd name="T34" fmla="*/ 629 w 632"/>
-                <a:gd name="T35" fmla="*/ 5 h 226"/>
-                <a:gd name="T36" fmla="*/ 625 w 632"/>
-                <a:gd name="T37" fmla="*/ 2 h 226"/>
-                <a:gd name="T38" fmla="*/ 619 w 632"/>
-                <a:gd name="T39" fmla="*/ 0 h 226"/>
-                <a:gd name="T40" fmla="*/ 613 w 632"/>
-                <a:gd name="T41" fmla="*/ 1 h 226"/>
-                <a:gd name="T42" fmla="*/ 607 w 632"/>
-                <a:gd name="T43" fmla="*/ 3 h 226"/>
-                <a:gd name="T44" fmla="*/ 481 w 632"/>
-                <a:gd name="T45" fmla="*/ 159 h 226"/>
-                <a:gd name="T46" fmla="*/ 415 w 632"/>
-                <a:gd name="T47" fmla="*/ 93 h 226"/>
-                <a:gd name="T48" fmla="*/ 409 w 632"/>
-                <a:gd name="T49" fmla="*/ 91 h 226"/>
-                <a:gd name="T50" fmla="*/ 404 w 632"/>
-                <a:gd name="T51" fmla="*/ 91 h 226"/>
-                <a:gd name="T52" fmla="*/ 398 w 632"/>
-                <a:gd name="T53" fmla="*/ 93 h 226"/>
-                <a:gd name="T54" fmla="*/ 307 w 632"/>
-                <a:gd name="T55" fmla="*/ 185 h 226"/>
-                <a:gd name="T56" fmla="*/ 247 w 632"/>
-                <a:gd name="T57" fmla="*/ 39 h 226"/>
-                <a:gd name="T58" fmla="*/ 242 w 632"/>
-                <a:gd name="T59" fmla="*/ 34 h 226"/>
-                <a:gd name="T60" fmla="*/ 234 w 632"/>
-                <a:gd name="T61" fmla="*/ 33 h 226"/>
-                <a:gd name="T62" fmla="*/ 227 w 632"/>
-                <a:gd name="T63" fmla="*/ 35 h 226"/>
-                <a:gd name="T64" fmla="*/ 144 w 632"/>
-                <a:gd name="T65" fmla="*/ 121 h 226"/>
-                <a:gd name="T66" fmla="*/ 12 w 632"/>
-                <a:gd name="T67" fmla="*/ 121 h 226"/>
-                <a:gd name="T68" fmla="*/ 7 w 632"/>
-                <a:gd name="T69" fmla="*/ 123 h 226"/>
-                <a:gd name="T70" fmla="*/ 3 w 632"/>
-                <a:gd name="T71" fmla="*/ 128 h 226"/>
-                <a:gd name="T72" fmla="*/ 0 w 632"/>
-                <a:gd name="T73" fmla="*/ 133 h 226"/>
-                <a:gd name="T74" fmla="*/ 0 w 632"/>
-                <a:gd name="T75" fmla="*/ 138 h 226"/>
-                <a:gd name="T76" fmla="*/ 3 w 632"/>
-                <a:gd name="T77" fmla="*/ 144 h 226"/>
-                <a:gd name="T78" fmla="*/ 7 w 632"/>
-                <a:gd name="T79" fmla="*/ 148 h 226"/>
-                <a:gd name="T80" fmla="*/ 12 w 632"/>
-                <a:gd name="T81" fmla="*/ 150 h 226"/>
-                <a:gd name="T82" fmla="*/ 15 w 632"/>
-                <a:gd name="T83" fmla="*/ 151 h 226"/>
-              </a:gdLst>
-              <a:ahLst/>
-              <a:cxnLst>
-                <a:cxn ang="0">
-                  <a:pos x="T0" y="T1"/>
-                </a:cxn>
-                <a:cxn ang="0">
-                  <a:pos x="T2" y="T3"/>
-                </a:cxn>
-                <a:cxn ang="0">
-                  <a:pos x="T4" y="T5"/>
-                </a:cxn>
-                <a:cxn ang="0">
-                  <a:pos x="T6" y="T7"/>
-                </a:cxn>
-                <a:cxn ang="0">
-                  <a:pos x="T8" y="T9"/>
-                </a:cxn>
-                <a:cxn ang="0">
-                  <a:pos x="T10" y="T11"/>
-                </a:cxn>
-                <a:cxn ang="0">
-                  <a:pos x="T12" y="T13"/>
-                </a:cxn>
-                <a:cxn ang="0">
-                  <a:pos x="T14" y="T15"/>
-                </a:cxn>
-                <a:cxn ang="0">
-                  <a:pos x="T16" y="T17"/>
-                </a:cxn>
-                <a:cxn ang="0">
-                  <a:pos x="T18" y="T19"/>
-                </a:cxn>
-                <a:cxn ang="0">
-                  <a:pos x="T20" y="T21"/>
-                </a:cxn>
-                <a:cxn ang="0">
-                  <a:pos x="T22" y="T23"/>
-                </a:cxn>
-                <a:cxn ang="0">
-                  <a:pos x="T24" y="T25"/>
-                </a:cxn>
-                <a:cxn ang="0">
-                  <a:pos x="T26" y="T27"/>
-                </a:cxn>
-                <a:cxn ang="0">
-                  <a:pos x="T28" y="T29"/>
-                </a:cxn>
-                <a:cxn ang="0">
-                  <a:pos x="T30" y="T31"/>
-                </a:cxn>
-                <a:cxn ang="0">
-                  <a:pos x="T32" y="T33"/>
-                </a:cxn>
-                <a:cxn ang="0">
-                  <a:pos x="T34" y="T35"/>
-                </a:cxn>
-                <a:cxn ang="0">
-                  <a:pos x="T36" y="T37"/>
-                </a:cxn>
-                <a:cxn ang="0">
-                  <a:pos x="T38" y="T39"/>
-                </a:cxn>
-                <a:cxn ang="0">
-                  <a:pos x="T40" y="T41"/>
-                </a:cxn>
-                <a:cxn ang="0">
-                  <a:pos x="T42" y="T43"/>
-                </a:cxn>
-                <a:cxn ang="0">
-                  <a:pos x="T44" y="T45"/>
-                </a:cxn>
-                <a:cxn ang="0">
-                  <a:pos x="T46" y="T47"/>
-                </a:cxn>
-                <a:cxn ang="0">
-                  <a:pos x="T48" y="T49"/>
-                </a:cxn>
-                <a:cxn ang="0">
-                  <a:pos x="T50" y="T51"/>
-                </a:cxn>
-                <a:cxn ang="0">
-                  <a:pos x="T52" y="T53"/>
-                </a:cxn>
-                <a:cxn ang="0">
-                  <a:pos x="T54" y="T55"/>
-                </a:cxn>
-                <a:cxn ang="0">
-                  <a:pos x="T56" y="T57"/>
-                </a:cxn>
-                <a:cxn ang="0">
-                  <a:pos x="T58" y="T59"/>
-                </a:cxn>
-                <a:cxn ang="0">
-                  <a:pos x="T60" y="T61"/>
-                </a:cxn>
-                <a:cxn ang="0">
-                  <a:pos x="T62" y="T63"/>
-                </a:cxn>
-                <a:cxn ang="0">
-                  <a:pos x="T64" y="T65"/>
-                </a:cxn>
-                <a:cxn ang="0">
-                  <a:pos x="T66" y="T67"/>
-                </a:cxn>
-                <a:cxn ang="0">
-                  <a:pos x="T68" y="T69"/>
-                </a:cxn>
-                <a:cxn ang="0">
-                  <a:pos x="T70" y="T71"/>
-                </a:cxn>
-                <a:cxn ang="0">
-                  <a:pos x="T72" y="T73"/>
-                </a:cxn>
-                <a:cxn ang="0">
-                  <a:pos x="T74" y="T75"/>
-                </a:cxn>
-                <a:cxn ang="0">
-                  <a:pos x="T76" y="T77"/>
-                </a:cxn>
-                <a:cxn ang="0">
-                  <a:pos x="T78" y="T79"/>
-                </a:cxn>
-                <a:cxn ang="0">
-                  <a:pos x="T80" y="T81"/>
-                </a:cxn>
-                <a:cxn ang="0">
-                  <a:pos x="T82" y="T83"/>
-                </a:cxn>
-              </a:cxnLst>
-              <a:rect l="0" t="0" r="r" b="b"/>
-              <a:pathLst>
-                <a:path w="632" h="226">
-                  <a:moveTo>
-                    <a:pt x="15" y="151"/>
-                  </a:moveTo>
-                  <a:lnTo>
-                    <a:pt x="151" y="151"/>
-                  </a:lnTo>
-                  <a:lnTo>
-                    <a:pt x="154" y="150"/>
-                  </a:lnTo>
-                  <a:lnTo>
-                    <a:pt x="157" y="149"/>
-                  </a:lnTo>
-                  <a:lnTo>
-                    <a:pt x="159" y="148"/>
-                  </a:lnTo>
-                  <a:lnTo>
-                    <a:pt x="161" y="146"/>
-                  </a:lnTo>
-                  <a:lnTo>
-                    <a:pt x="230" y="75"/>
-                  </a:lnTo>
-                  <a:lnTo>
-                    <a:pt x="288" y="217"/>
-                  </a:lnTo>
-                  <a:lnTo>
-                    <a:pt x="289" y="220"/>
-                  </a:lnTo>
-                  <a:lnTo>
-                    <a:pt x="292" y="223"/>
-                  </a:lnTo>
-                  <a:lnTo>
-                    <a:pt x="294" y="224"/>
-                  </a:lnTo>
-                  <a:lnTo>
-                    <a:pt x="299" y="226"/>
-                  </a:lnTo>
-                  <a:lnTo>
-                    <a:pt x="300" y="226"/>
-                  </a:lnTo>
-                  <a:lnTo>
-                    <a:pt x="302" y="226"/>
-                  </a:lnTo>
-                  <a:lnTo>
-                    <a:pt x="304" y="226"/>
-                  </a:lnTo>
-                  <a:lnTo>
-                    <a:pt x="307" y="225"/>
-                  </a:lnTo>
-                  <a:lnTo>
-                    <a:pt x="309" y="223"/>
-                  </a:lnTo>
-                  <a:lnTo>
-                    <a:pt x="313" y="222"/>
-                  </a:lnTo>
-                  <a:lnTo>
-                    <a:pt x="407" y="127"/>
-                  </a:lnTo>
-                  <a:lnTo>
-                    <a:pt x="471" y="191"/>
-                  </a:lnTo>
-                  <a:lnTo>
-                    <a:pt x="473" y="193"/>
-                  </a:lnTo>
-                  <a:lnTo>
-                    <a:pt x="477" y="195"/>
-                  </a:lnTo>
-                  <a:lnTo>
-                    <a:pt x="480" y="196"/>
-                  </a:lnTo>
-                  <a:lnTo>
-                    <a:pt x="483" y="196"/>
-                  </a:lnTo>
-                  <a:lnTo>
-                    <a:pt x="486" y="195"/>
-                  </a:lnTo>
-                  <a:lnTo>
-                    <a:pt x="488" y="194"/>
-                  </a:lnTo>
-                  <a:lnTo>
-                    <a:pt x="492" y="193"/>
-                  </a:lnTo>
-                  <a:lnTo>
-                    <a:pt x="494" y="191"/>
-                  </a:lnTo>
-                  <a:lnTo>
-                    <a:pt x="629" y="25"/>
-                  </a:lnTo>
-                  <a:lnTo>
-                    <a:pt x="631" y="23"/>
-                  </a:lnTo>
-                  <a:lnTo>
-                    <a:pt x="632" y="19"/>
-                  </a:lnTo>
-                  <a:lnTo>
-                    <a:pt x="632" y="16"/>
-                  </a:lnTo>
-                  <a:lnTo>
-                    <a:pt x="632" y="14"/>
-                  </a:lnTo>
-                  <a:lnTo>
-                    <a:pt x="632" y="11"/>
-                  </a:lnTo>
-                  <a:lnTo>
-                    <a:pt x="631" y="9"/>
-                  </a:lnTo>
-                  <a:lnTo>
-                    <a:pt x="629" y="5"/>
-                  </a:lnTo>
-                  <a:lnTo>
-                    <a:pt x="627" y="3"/>
-                  </a:lnTo>
-                  <a:lnTo>
-                    <a:pt x="625" y="2"/>
-                  </a:lnTo>
-                  <a:lnTo>
-                    <a:pt x="621" y="1"/>
-                  </a:lnTo>
-                  <a:lnTo>
-                    <a:pt x="619" y="0"/>
-                  </a:lnTo>
-                  <a:lnTo>
-                    <a:pt x="616" y="0"/>
-                  </a:lnTo>
-                  <a:lnTo>
-                    <a:pt x="613" y="1"/>
-                  </a:lnTo>
-                  <a:lnTo>
-                    <a:pt x="611" y="2"/>
-                  </a:lnTo>
-                  <a:lnTo>
-                    <a:pt x="607" y="3"/>
-                  </a:lnTo>
-                  <a:lnTo>
-                    <a:pt x="605" y="5"/>
-                  </a:lnTo>
-                  <a:lnTo>
-                    <a:pt x="481" y="159"/>
-                  </a:lnTo>
-                  <a:lnTo>
-                    <a:pt x="418" y="95"/>
-                  </a:lnTo>
-                  <a:lnTo>
-                    <a:pt x="415" y="93"/>
-                  </a:lnTo>
-                  <a:lnTo>
-                    <a:pt x="412" y="91"/>
-                  </a:lnTo>
-                  <a:lnTo>
-                    <a:pt x="409" y="91"/>
-                  </a:lnTo>
-                  <a:lnTo>
-                    <a:pt x="407" y="90"/>
-                  </a:lnTo>
-                  <a:lnTo>
-                    <a:pt x="404" y="91"/>
-                  </a:lnTo>
-                  <a:lnTo>
-                    <a:pt x="400" y="91"/>
-                  </a:lnTo>
-                  <a:lnTo>
-                    <a:pt x="398" y="93"/>
-                  </a:lnTo>
-                  <a:lnTo>
-                    <a:pt x="396" y="95"/>
-                  </a:lnTo>
-                  <a:lnTo>
-                    <a:pt x="307" y="185"/>
-                  </a:lnTo>
-                  <a:lnTo>
-                    <a:pt x="249" y="42"/>
-                  </a:lnTo>
-                  <a:lnTo>
-                    <a:pt x="247" y="39"/>
-                  </a:lnTo>
-                  <a:lnTo>
-                    <a:pt x="244" y="36"/>
-                  </a:lnTo>
-                  <a:lnTo>
-                    <a:pt x="242" y="34"/>
-                  </a:lnTo>
-                  <a:lnTo>
-                    <a:pt x="237" y="33"/>
-                  </a:lnTo>
-                  <a:lnTo>
-                    <a:pt x="234" y="33"/>
-                  </a:lnTo>
-                  <a:lnTo>
-                    <a:pt x="230" y="33"/>
-                  </a:lnTo>
-                  <a:lnTo>
-                    <a:pt x="227" y="35"/>
-                  </a:lnTo>
-                  <a:lnTo>
-                    <a:pt x="224" y="38"/>
-                  </a:lnTo>
-                  <a:lnTo>
-                    <a:pt x="144" y="121"/>
-                  </a:lnTo>
-                  <a:lnTo>
-                    <a:pt x="15" y="121"/>
-                  </a:lnTo>
-                  <a:lnTo>
-                    <a:pt x="12" y="121"/>
-                  </a:lnTo>
-                  <a:lnTo>
-                    <a:pt x="9" y="122"/>
-                  </a:lnTo>
-                  <a:lnTo>
-                    <a:pt x="7" y="123"/>
-                  </a:lnTo>
-                  <a:lnTo>
-                    <a:pt x="5" y="126"/>
-                  </a:lnTo>
-                  <a:lnTo>
-                    <a:pt x="3" y="128"/>
-                  </a:lnTo>
-                  <a:lnTo>
-                    <a:pt x="2" y="130"/>
-                  </a:lnTo>
-                  <a:lnTo>
-                    <a:pt x="0" y="133"/>
-                  </a:lnTo>
-                  <a:lnTo>
-                    <a:pt x="0" y="136"/>
-                  </a:lnTo>
-                  <a:lnTo>
-                    <a:pt x="0" y="138"/>
-                  </a:lnTo>
-                  <a:lnTo>
-                    <a:pt x="2" y="142"/>
-                  </a:lnTo>
-                  <a:lnTo>
-                    <a:pt x="3" y="144"/>
-                  </a:lnTo>
-                  <a:lnTo>
-                    <a:pt x="5" y="146"/>
-                  </a:lnTo>
-                  <a:lnTo>
-                    <a:pt x="7" y="148"/>
-                  </a:lnTo>
-                  <a:lnTo>
-                    <a:pt x="9" y="150"/>
-                  </a:lnTo>
-                  <a:lnTo>
-                    <a:pt x="12" y="150"/>
-                  </a:lnTo>
-                  <a:lnTo>
-                    <a:pt x="15" y="151"/>
-                  </a:lnTo>
-                  <a:lnTo>
-                    <a:pt x="15" y="151"/>
-                  </a:lnTo>
-                  <a:close/>
-                </a:path>
-              </a:pathLst>
-            </a:custGeom>
-            <a:grpFill/>
-            <a:ln>
-              <a:noFill/>
-            </a:ln>
-            <a:extLst>
-              <a:ext uri="{91240B29-F687-4F45-9708-019B960494DF}">
-                <a14:hiddenLine xmlns:a14="http://schemas.microsoft.com/office/drawing/2010/main" w="9525">
-                  <a:solidFill>
-                    <a:srgbClr val="000000"/>
-                  </a:solidFill>
-                  <a:round/>
-                  <a:headEnd/>
-                  <a:tailEnd/>
-                </a14:hiddenLine>
-              </a:ext>
-            </a:extLst>
-          </p:spPr>
-          <p:txBody>
-            <a:bodyPr vert="horz" wrap="square" lIns="91440" tIns="45720" rIns="91440" bIns="45720" numCol="1" anchor="t" anchorCtr="0" compatLnSpc="1">
-              <a:prstTxWarp prst="textNoShape">
-                <a:avLst/>
-              </a:prstTxWarp>
-            </a:bodyPr>
-            <a:lstStyle/>
-            <a:p>
-              <a:endParaRPr lang="en-US" dirty="0"/>
-            </a:p>
-          </p:txBody>
-        </p:sp>
-      </p:grpSp>
     </p:spTree>
     <p:extLst>
       <p:ext uri="{BB962C8B-B14F-4D97-AF65-F5344CB8AC3E}">
@@ -7887,7 +6808,7 @@
                   </a:schemeClr>
                 </a:solidFill>
               </a:rPr>
-              <a:t>Retail Analysis</a:t>
+              <a:t>Tools Used</a:t>
             </a:r>
             <a:br>
               <a:rPr lang="en-US" sz="2800" dirty="0">
@@ -8646,7 +7567,7 @@
                   </a:schemeClr>
                 </a:solidFill>
               </a:rPr>
-              <a:t>Business Case</a:t>
+              <a:t>Business Cases</a:t>
             </a:r>
             <a:endParaRPr lang="en-US" sz="2800" dirty="0">
               <a:solidFill>
@@ -9102,7 +8023,7 @@
         </p:nvSpPr>
         <p:spPr>
           <a:xfrm>
-            <a:off x="6742632" y="6533708"/>
+            <a:off x="6751178" y="6488668"/>
             <a:ext cx="5072121" cy="369332"/>
           </a:xfrm>
           <a:prstGeom prst="rect">
@@ -9413,27 +8334,6 @@
                 </a:solidFill>
                 <a:latin typeface="Bahnschrift SemiBold" panose="020B0502040204020203" pitchFamily="34" charset="0"/>
               </a:rPr>
-              <a:t>Dataset too big for clustering</a:t>
-            </a:r>
-          </a:p>
-          <a:p>
-            <a:pPr marL="285750" indent="-285750">
-              <a:lnSpc>
-                <a:spcPct val="300000"/>
-              </a:lnSpc>
-              <a:buFont typeface="Arial" panose="020B0604020202020204" pitchFamily="34" charset="0"/>
-              <a:buChar char="•"/>
-            </a:pPr>
-            <a:r>
-              <a:rPr lang="en-IN" dirty="0">
-                <a:solidFill>
-                  <a:schemeClr val="tx1">
-                    <a:lumMod val="75000"/>
-                    <a:lumOff val="25000"/>
-                  </a:schemeClr>
-                </a:solidFill>
-                <a:latin typeface="Bahnschrift SemiBold" panose="020B0502040204020203" pitchFamily="34" charset="0"/>
-              </a:rPr>
               <a:t>Missing fields</a:t>
             </a:r>
           </a:p>
@@ -9478,6 +8378,45 @@
               </a:rPr>
               <a:t>Unsupervised learning (ML)</a:t>
             </a:r>
+          </a:p>
+          <a:p>
+            <a:pPr marL="285750" indent="-285750">
+              <a:lnSpc>
+                <a:spcPct val="300000"/>
+              </a:lnSpc>
+              <a:buFont typeface="Arial" panose="020B0604020202020204" pitchFamily="34" charset="0"/>
+              <a:buChar char="•"/>
+            </a:pPr>
+            <a:r>
+              <a:rPr lang="en-IN" dirty="0">
+                <a:solidFill>
+                  <a:schemeClr val="tx1">
+                    <a:lumMod val="75000"/>
+                    <a:lumOff val="25000"/>
+                  </a:schemeClr>
+                </a:solidFill>
+                <a:latin typeface="Bahnschrift SemiBold" panose="020B0502040204020203" pitchFamily="34" charset="0"/>
+              </a:rPr>
+              <a:t>Dataset too big for clustering</a:t>
+            </a:r>
+          </a:p>
+          <a:p>
+            <a:pPr marL="285750" indent="-285750">
+              <a:lnSpc>
+                <a:spcPct val="300000"/>
+              </a:lnSpc>
+              <a:buFont typeface="Arial" panose="020B0604020202020204" pitchFamily="34" charset="0"/>
+              <a:buChar char="•"/>
+            </a:pPr>
+            <a:endParaRPr lang="en-IN" dirty="0">
+              <a:solidFill>
+                <a:schemeClr val="tx1">
+                  <a:lumMod val="75000"/>
+                  <a:lumOff val="25000"/>
+                </a:schemeClr>
+              </a:solidFill>
+              <a:latin typeface="Bahnschrift SemiBold" panose="020B0502040204020203" pitchFamily="34" charset="0"/>
+            </a:endParaRPr>
           </a:p>
         </p:txBody>
       </p:sp>
@@ -10702,20 +9641,20 @@
 </file>
 
 <file path=customXml/item1.xml><?xml version="1.0" encoding="utf-8"?>
+<p:properties xmlns:p="http://schemas.microsoft.com/office/2006/metadata/properties" xmlns:xsi="http://www.w3.org/2001/XMLSchema-instance" xmlns:pc="http://schemas.microsoft.com/office/infopath/2007/PartnerControls">
+  <documentManagement>
+    <MediaServiceKeyPoints xmlns="71af3243-3dd4-4a8d-8c0d-dd76da1f02a5" xsi:nil="true"/>
+  </documentManagement>
+</p:properties>
+</file>
+
+<file path=customXml/item2.xml><?xml version="1.0" encoding="utf-8"?>
 <?mso-contentType ?>
 <FormTemplates xmlns="http://schemas.microsoft.com/sharepoint/v3/contenttype/forms">
   <Display>DocumentLibraryForm</Display>
   <Edit>DocumentLibraryForm</Edit>
   <New>DocumentLibraryForm</New>
 </FormTemplates>
-</file>
-
-<file path=customXml/item2.xml><?xml version="1.0" encoding="utf-8"?>
-<p:properties xmlns:p="http://schemas.microsoft.com/office/2006/metadata/properties" xmlns:xsi="http://www.w3.org/2001/XMLSchema-instance" xmlns:pc="http://schemas.microsoft.com/office/infopath/2007/PartnerControls">
-  <documentManagement>
-    <MediaServiceKeyPoints xmlns="71af3243-3dd4-4a8d-8c0d-dd76da1f02a5" xsi:nil="true"/>
-  </documentManagement>
-</p:properties>
 </file>
 
 <file path=customXml/item3.xml><?xml version="1.0" encoding="utf-8"?>
@@ -10930,19 +9869,26 @@
 </file>
 
 <file path=customXml/itemProps1.xml><?xml version="1.0" encoding="utf-8"?>
-<ds:datastoreItem xmlns:ds="http://schemas.openxmlformats.org/officeDocument/2006/customXml" ds:itemID="{2FD05317-60D6-4B3A-8545-888496D1A8EC}">
+<ds:datastoreItem xmlns:ds="http://schemas.openxmlformats.org/officeDocument/2006/customXml" ds:itemID="{EF609EDA-869E-4BE5-AE5D-B898C584B6FF}">
   <ds:schemaRefs>
-    <ds:schemaRef ds:uri="http://schemas.microsoft.com/sharepoint/v3/contenttype/forms"/>
+    <ds:schemaRef ds:uri="16c05727-aa75-4e4a-9b5f-8a80a1165891"/>
+    <ds:schemaRef ds:uri="http://purl.org/dc/dcmitype/"/>
+    <ds:schemaRef ds:uri="http://schemas.microsoft.com/office/infopath/2007/PartnerControls"/>
+    <ds:schemaRef ds:uri="http://purl.org/dc/elements/1.1/"/>
+    <ds:schemaRef ds:uri="http://schemas.microsoft.com/office/2006/metadata/properties"/>
+    <ds:schemaRef ds:uri="http://schemas.microsoft.com/office/2006/documentManagement/types"/>
+    <ds:schemaRef ds:uri="http://purl.org/dc/terms/"/>
+    <ds:schemaRef ds:uri="http://schemas.openxmlformats.org/package/2006/metadata/core-properties"/>
+    <ds:schemaRef ds:uri="71af3243-3dd4-4a8d-8c0d-dd76da1f02a5"/>
+    <ds:schemaRef ds:uri="http://www.w3.org/XML/1998/namespace"/>
   </ds:schemaRefs>
 </ds:datastoreItem>
 </file>
 
 <file path=customXml/itemProps2.xml><?xml version="1.0" encoding="utf-8"?>
-<ds:datastoreItem xmlns:ds="http://schemas.openxmlformats.org/officeDocument/2006/customXml" ds:itemID="{EF609EDA-869E-4BE5-AE5D-B898C584B6FF}">
+<ds:datastoreItem xmlns:ds="http://schemas.openxmlformats.org/officeDocument/2006/customXml" ds:itemID="{2FD05317-60D6-4B3A-8545-888496D1A8EC}">
   <ds:schemaRefs>
-    <ds:schemaRef ds:uri="http://schemas.microsoft.com/office/2006/metadata/properties"/>
-    <ds:schemaRef ds:uri="http://schemas.microsoft.com/office/infopath/2007/PartnerControls"/>
-    <ds:schemaRef ds:uri="71af3243-3dd4-4a8d-8c0d-dd76da1f02a5"/>
+    <ds:schemaRef ds:uri="http://schemas.microsoft.com/sharepoint/v3/contenttype/forms"/>
   </ds:schemaRefs>
 </ds:datastoreItem>
 </file>
